--- a/Installer/Tutorials/GearVRFTutorial-Lesson3.pptx
+++ b/Installer/Tutorials/GearVRFTutorial-Lesson3.pptx
@@ -253,7 +253,7 @@
           <a:p>
             <a:fld id="{0E28B5CE-A17E-45B2-B377-FA943BA06927}" type="datetimeFigureOut">
               <a:rPr lang="en-US" smtClean="0"/>
-              <a:t>7/14/2016</a:t>
+              <a:t>7/20/2016</a:t>
             </a:fld>
             <a:endParaRPr lang="en-US"/>
           </a:p>
@@ -423,7 +423,7 @@
           <a:p>
             <a:fld id="{0E28B5CE-A17E-45B2-B377-FA943BA06927}" type="datetimeFigureOut">
               <a:rPr lang="en-US" smtClean="0"/>
-              <a:t>7/14/2016</a:t>
+              <a:t>7/20/2016</a:t>
             </a:fld>
             <a:endParaRPr lang="en-US"/>
           </a:p>
@@ -603,7 +603,7 @@
           <a:p>
             <a:fld id="{0E28B5CE-A17E-45B2-B377-FA943BA06927}" type="datetimeFigureOut">
               <a:rPr lang="en-US" smtClean="0"/>
-              <a:t>7/14/2016</a:t>
+              <a:t>7/20/2016</a:t>
             </a:fld>
             <a:endParaRPr lang="en-US"/>
           </a:p>
@@ -773,7 +773,7 @@
           <a:p>
             <a:fld id="{0E28B5CE-A17E-45B2-B377-FA943BA06927}" type="datetimeFigureOut">
               <a:rPr lang="en-US" smtClean="0"/>
-              <a:t>7/14/2016</a:t>
+              <a:t>7/20/2016</a:t>
             </a:fld>
             <a:endParaRPr lang="en-US"/>
           </a:p>
@@ -1026,7 +1026,7 @@
           <a:p>
             <a:fld id="{0E28B5CE-A17E-45B2-B377-FA943BA06927}" type="datetimeFigureOut">
               <a:rPr lang="en-US" smtClean="0"/>
-              <a:t>7/14/2016</a:t>
+              <a:t>7/20/2016</a:t>
             </a:fld>
             <a:endParaRPr lang="en-US"/>
           </a:p>
@@ -1258,7 +1258,7 @@
           <a:p>
             <a:fld id="{0E28B5CE-A17E-45B2-B377-FA943BA06927}" type="datetimeFigureOut">
               <a:rPr lang="en-US" smtClean="0"/>
-              <a:t>7/14/2016</a:t>
+              <a:t>7/20/2016</a:t>
             </a:fld>
             <a:endParaRPr lang="en-US"/>
           </a:p>
@@ -1625,7 +1625,7 @@
           <a:p>
             <a:fld id="{0E28B5CE-A17E-45B2-B377-FA943BA06927}" type="datetimeFigureOut">
               <a:rPr lang="en-US" smtClean="0"/>
-              <a:t>7/14/2016</a:t>
+              <a:t>7/20/2016</a:t>
             </a:fld>
             <a:endParaRPr lang="en-US"/>
           </a:p>
@@ -1743,7 +1743,7 @@
           <a:p>
             <a:fld id="{0E28B5CE-A17E-45B2-B377-FA943BA06927}" type="datetimeFigureOut">
               <a:rPr lang="en-US" smtClean="0"/>
-              <a:t>7/14/2016</a:t>
+              <a:t>7/20/2016</a:t>
             </a:fld>
             <a:endParaRPr lang="en-US"/>
           </a:p>
@@ -1838,7 +1838,7 @@
           <a:p>
             <a:fld id="{0E28B5CE-A17E-45B2-B377-FA943BA06927}" type="datetimeFigureOut">
               <a:rPr lang="en-US" smtClean="0"/>
-              <a:t>7/14/2016</a:t>
+              <a:t>7/20/2016</a:t>
             </a:fld>
             <a:endParaRPr lang="en-US"/>
           </a:p>
@@ -2115,7 +2115,7 @@
           <a:p>
             <a:fld id="{0E28B5CE-A17E-45B2-B377-FA943BA06927}" type="datetimeFigureOut">
               <a:rPr lang="en-US" smtClean="0"/>
-              <a:t>7/14/2016</a:t>
+              <a:t>7/20/2016</a:t>
             </a:fld>
             <a:endParaRPr lang="en-US"/>
           </a:p>
@@ -2368,7 +2368,7 @@
           <a:p>
             <a:fld id="{0E28B5CE-A17E-45B2-B377-FA943BA06927}" type="datetimeFigureOut">
               <a:rPr lang="en-US" smtClean="0"/>
-              <a:t>7/14/2016</a:t>
+              <a:t>7/20/2016</a:t>
             </a:fld>
             <a:endParaRPr lang="en-US"/>
           </a:p>
@@ -2599,7 +2599,7 @@
           <a:p>
             <a:fld id="{0E28B5CE-A17E-45B2-B377-FA943BA06927}" type="datetimeFigureOut">
               <a:rPr lang="en-US" smtClean="0"/>
-              <a:t>7/14/2016</a:t>
+              <a:t>7/20/2016</a:t>
             </a:fld>
             <a:endParaRPr lang="en-US"/>
           </a:p>
@@ -3088,11 +3088,7 @@
           <a:p>
             <a:r>
               <a:rPr lang="en-US" dirty="0" smtClean="0"/>
-              <a:t>Lesson </a:t>
-            </a:r>
-            <a:r>
-              <a:rPr lang="en-US" dirty="0" smtClean="0"/>
-              <a:t>3: Events and Picking</a:t>
+              <a:t>Lesson 3: Events and Picking</a:t>
             </a:r>
             <a:endParaRPr lang="en-US" dirty="0"/>
           </a:p>
@@ -5688,6 +5684,13 @@
   <p:clrMapOvr>
     <a:masterClrMapping/>
   </p:clrMapOvr>
+  <p:timing>
+    <p:tnLst>
+      <p:par>
+        <p:cTn id="1" dur="indefinite" restart="never" nodeType="tmRoot"/>
+      </p:par>
+    </p:tnLst>
+  </p:timing>
 </p:sld>
 </file>
 
@@ -5725,11 +5728,7 @@
           <a:p>
             <a:r>
               <a:rPr lang="en-US" dirty="0" smtClean="0"/>
-              <a:t>Lesson 3 Scene </a:t>
-            </a:r>
-            <a:r>
-              <a:rPr lang="en-US" dirty="0" smtClean="0"/>
-              <a:t>Graph</a:t>
+              <a:t>Lesson 3 Scene Graph</a:t>
             </a:r>
             <a:endParaRPr lang="en-US" dirty="0"/>
           </a:p>
@@ -9204,11 +9203,7 @@
             </a:r>
             <a:r>
               <a:rPr lang="en-US" dirty="0" smtClean="0"/>
-              <a:t> </a:t>
-            </a:r>
-            <a:r>
-              <a:rPr lang="en-US" dirty="0" smtClean="0"/>
-              <a:t>Event Handling</a:t>
+              <a:t> Event Handling</a:t>
             </a:r>
             <a:endParaRPr lang="en-US" dirty="0"/>
           </a:p>
@@ -9268,7 +9263,6 @@
               <a:rPr lang="en-US" dirty="0" smtClean="0"/>
               <a:t>Receives events and dispatches to listeners</a:t>
             </a:r>
-            <a:endParaRPr lang="en-US" dirty="0" smtClean="0"/>
           </a:p>
           <a:p>
             <a:pPr lvl="1"/>
@@ -9276,7 +9270,6 @@
               <a:rPr lang="en-US" dirty="0" smtClean="0"/>
               <a:t>Contains a list of event listeners</a:t>
             </a:r>
-            <a:endParaRPr lang="en-US" dirty="0" smtClean="0"/>
           </a:p>
           <a:p>
             <a:pPr lvl="1"/>
@@ -9284,7 +9277,6 @@
               <a:rPr lang="en-US" dirty="0" smtClean="0"/>
               <a:t>Dispatches events based on event class</a:t>
             </a:r>
-            <a:endParaRPr lang="en-US" dirty="0" smtClean="0"/>
           </a:p>
           <a:p>
             <a:pPr marL="0" indent="0">
@@ -9324,7 +9316,6 @@
               <a:rPr lang="en-US" dirty="0" smtClean="0"/>
               <a:t>Listens for a specific class of event</a:t>
             </a:r>
-            <a:endParaRPr lang="en-US" dirty="0" smtClean="0"/>
           </a:p>
           <a:p>
             <a:pPr lvl="1"/>
@@ -9332,7 +9323,6 @@
               <a:rPr lang="en-US" dirty="0" smtClean="0"/>
               <a:t>Implements a handler for the event</a:t>
             </a:r>
-            <a:endParaRPr lang="en-US" dirty="0" smtClean="0"/>
           </a:p>
           <a:p>
             <a:pPr marL="0" indent="0">
@@ -9376,7 +9366,6 @@
               <a:rPr lang="en-US" dirty="0" smtClean="0"/>
               <a:t>Asset loading</a:t>
             </a:r>
-            <a:endParaRPr lang="en-US" dirty="0" smtClean="0"/>
           </a:p>
           <a:p>
             <a:pPr marL="0" indent="0">
@@ -9444,11 +9433,7 @@
             </a:r>
             <a:r>
               <a:rPr lang="en-US" dirty="0" err="1" smtClean="0"/>
-              <a:t>IScriptEve</a:t>
-            </a:r>
-            <a:r>
-              <a:rPr lang="en-US" dirty="0" err="1" smtClean="0"/>
-              <a:t>nts</a:t>
+              <a:t>IScriptEvents</a:t>
             </a:r>
             <a:endParaRPr lang="en-US" dirty="0"/>
           </a:p>
@@ -9506,7 +9491,6 @@
               <a:rPr lang="en-US" sz="2400" dirty="0" smtClean="0"/>
               <a:t> application startup</a:t>
             </a:r>
-            <a:endParaRPr lang="en-US" sz="2400" dirty="0" smtClean="0"/>
           </a:p>
           <a:p>
             <a:r>
@@ -9515,11 +9499,7 @@
             </a:r>
             <a:r>
               <a:rPr lang="en-US" sz="2400" dirty="0" smtClean="0"/>
-              <a:t> touch </a:t>
-            </a:r>
-            <a:r>
-              <a:rPr lang="en-US" sz="2400" dirty="0" smtClean="0"/>
-              <a:t>events</a:t>
+              <a:t> touch events</a:t>
             </a:r>
           </a:p>
           <a:p>
@@ -9563,7 +9543,6 @@
               <a:rPr lang="en-US" sz="2400" dirty="0" smtClean="0"/>
               <a:t> every frame</a:t>
             </a:r>
-            <a:endParaRPr lang="en-US" sz="2400" dirty="0" smtClean="0"/>
           </a:p>
           <a:p>
             <a:pPr marL="0" indent="0">
@@ -12044,7 +12023,7 @@
         <p:spPr>
           <a:xfrm>
             <a:off x="363381" y="1746474"/>
-            <a:ext cx="6783937" cy="4351338"/>
+            <a:ext cx="6469641" cy="4351338"/>
           </a:xfrm>
         </p:spPr>
         <p:txBody>
@@ -12064,113 +12043,82 @@
                   </a:schemeClr>
                 </a:solidFill>
               </a:rPr>
-              <a:t>GVR</a:t>
-            </a:r>
-            <a:r>
-              <a:rPr lang="en-US" i="1" dirty="0" err="1" smtClean="0">
+              <a:t>GVRCollider</a:t>
+            </a:r>
+            <a:r>
+              <a:rPr lang="en-US" dirty="0" smtClean="0">
                 <a:solidFill>
                   <a:schemeClr val="accent3">
                     <a:lumMod val="75000"/>
                   </a:schemeClr>
                 </a:solidFill>
               </a:rPr>
-              <a:t>Collider</a:t>
-            </a:r>
-            <a:r>
-              <a:rPr lang="en-US" dirty="0" smtClean="0">
+              <a:t> component provides simplified collision mesh</a:t>
+            </a:r>
+          </a:p>
+          <a:p>
+            <a:r>
+              <a:rPr lang="en-US" sz="2400" dirty="0" smtClean="0"/>
+              <a:t>Sphere or bounding box collider optimizes collision detection</a:t>
+            </a:r>
+          </a:p>
+          <a:p>
+            <a:r>
+              <a:rPr lang="en-US" sz="2400" dirty="0" smtClean="0"/>
+              <a:t>Mesh collider slower but more </a:t>
+            </a:r>
+            <a:r>
+              <a:rPr lang="en-US" sz="2400" dirty="0" smtClean="0"/>
+              <a:t>precise</a:t>
+            </a:r>
+            <a:endParaRPr lang="en-US" dirty="0" smtClean="0"/>
+          </a:p>
+          <a:p>
+            <a:pPr marL="0" indent="0">
+              <a:buNone/>
+            </a:pPr>
+            <a:r>
+              <a:rPr lang="en-US" sz="2600" dirty="0" smtClean="0">
                 <a:solidFill>
                   <a:schemeClr val="accent3">
                     <a:lumMod val="75000"/>
                   </a:schemeClr>
                 </a:solidFill>
               </a:rPr>
-              <a:t> compon</a:t>
-            </a:r>
-            <a:r>
-              <a:rPr lang="en-US" dirty="0" smtClean="0">
+              <a:t>Colliders are used for picking and cursors</a:t>
+            </a:r>
+          </a:p>
+          <a:p>
+            <a:r>
+              <a:rPr lang="en-US" sz="2600" dirty="0" smtClean="0"/>
+              <a:t>Picking: collision with a ray</a:t>
+            </a:r>
+          </a:p>
+          <a:p>
+            <a:r>
+              <a:rPr lang="en-US" sz="2600" dirty="0" smtClean="0"/>
+              <a:t>Cursor: collision with a sphere</a:t>
+            </a:r>
+          </a:p>
+          <a:p>
+            <a:pPr marL="0" indent="0">
+              <a:buNone/>
+            </a:pPr>
+            <a:r>
+              <a:rPr lang="en-US" sz="2600" dirty="0" smtClean="0">
                 <a:solidFill>
                   <a:schemeClr val="accent3">
                     <a:lumMod val="75000"/>
                   </a:schemeClr>
                 </a:solidFill>
               </a:rPr>
-              <a:t>ent provides simplified collision mesh</a:t>
-            </a:r>
-            <a:endParaRPr lang="en-US" dirty="0" smtClean="0">
-              <a:solidFill>
-                <a:schemeClr val="accent3">
-                  <a:lumMod val="75000"/>
-                </a:schemeClr>
-              </a:solidFill>
-            </a:endParaRPr>
-          </a:p>
-          <a:p>
-            <a:r>
-              <a:rPr lang="en-US" sz="2400" dirty="0" smtClean="0"/>
-              <a:t>Sphere or bounding box collider optimizes collision detection</a:t>
-            </a:r>
-          </a:p>
-          <a:p>
-            <a:r>
-              <a:rPr lang="en-US" sz="2400" dirty="0" smtClean="0"/>
-              <a:t>Mesh collider slower but more </a:t>
-            </a:r>
-            <a:r>
-              <a:rPr lang="en-US" sz="2400" dirty="0" err="1" smtClean="0"/>
-              <a:t>precies</a:t>
-            </a:r>
-            <a:endParaRPr lang="en-US" dirty="0" smtClean="0"/>
-          </a:p>
-          <a:p>
-            <a:pPr marL="0" indent="0">
-              <a:buNone/>
-            </a:pPr>
-            <a:r>
-              <a:rPr lang="en-US" sz="2600" dirty="0" smtClean="0">
-                <a:solidFill>
-                  <a:schemeClr val="accent3">
-                    <a:lumMod val="75000"/>
-                  </a:schemeClr>
-                </a:solidFill>
-              </a:rPr>
-              <a:t>Colliders are used for picking and cursors</a:t>
-            </a:r>
-          </a:p>
-          <a:p>
-            <a:r>
-              <a:rPr lang="en-US" sz="2600" dirty="0" smtClean="0"/>
-              <a:t>Picking: collision with a ray</a:t>
-            </a:r>
-          </a:p>
-          <a:p>
-            <a:r>
-              <a:rPr lang="en-US" sz="2600" dirty="0" smtClean="0"/>
-              <a:t>Cursor: collision with a sphere</a:t>
-            </a:r>
-          </a:p>
-          <a:p>
-            <a:pPr marL="0" indent="0">
-              <a:buNone/>
-            </a:pPr>
-            <a:r>
-              <a:rPr lang="en-US" sz="2600" dirty="0" smtClean="0">
-                <a:solidFill>
-                  <a:schemeClr val="accent3">
-                    <a:lumMod val="75000"/>
-                  </a:schemeClr>
-                </a:solidFill>
-              </a:rPr>
               <a:t>Collider Types</a:t>
             </a:r>
           </a:p>
           <a:p>
             <a:r>
               <a:rPr lang="en-US" sz="2600" dirty="0" err="1" smtClean="0"/>
-              <a:t>GVRMesh</a:t>
-            </a:r>
-            <a:r>
-              <a:rPr lang="en-US" sz="2600" dirty="0" err="1" smtClean="0"/>
-              <a:t>Collider</a:t>
+              <a:t>GVRMeshCollider</a:t>
             </a:r>
             <a:r>
               <a:rPr lang="en-US" sz="2600" dirty="0"/>
@@ -12264,7 +12212,6 @@
               <a:rPr lang="en-US" sz="1050" b="1" dirty="0" smtClean="0"/>
               <a:t>Transform</a:t>
             </a:r>
-            <a:endParaRPr lang="en-US" sz="1050" b="1" dirty="0" smtClean="0"/>
           </a:p>
         </p:txBody>
       </p:sp>
@@ -12341,7 +12288,6 @@
               <a:rPr lang="en-US" sz="1050" b="1" dirty="0" smtClean="0"/>
               <a:t>Scene Object</a:t>
             </a:r>
-            <a:endParaRPr lang="en-US" sz="1050" b="1" dirty="0" smtClean="0"/>
           </a:p>
         </p:txBody>
       </p:sp>
@@ -12412,7 +12358,6 @@
               <a:rPr lang="en-US" sz="1050" b="1" dirty="0" smtClean="0"/>
               <a:t>Mesh</a:t>
             </a:r>
-            <a:endParaRPr lang="en-US" sz="1050" b="1" dirty="0" smtClean="0"/>
           </a:p>
         </p:txBody>
       </p:sp>
@@ -12568,7 +12513,6 @@
               <a:rPr lang="en-US" sz="1050" b="1" dirty="0" smtClean="0"/>
               <a:t>radius</a:t>
             </a:r>
-            <a:endParaRPr lang="en-US" sz="1050" b="1" dirty="0" smtClean="0"/>
           </a:p>
         </p:txBody>
       </p:sp>
@@ -13082,7 +13026,6 @@
               <a:rPr lang="en-US" dirty="0" smtClean="0"/>
               <a:t> function from lesson 2 to attach a collider. The collider will automatically calculate the radius from the bounding box but it will not be the real radius of the sphere mesh which is 1.0</a:t>
             </a:r>
-            <a:endParaRPr lang="en-US" dirty="0" smtClean="0"/>
           </a:p>
         </p:txBody>
       </p:sp>
@@ -15411,6 +15354,13 @@
   <p:clrMapOvr>
     <a:masterClrMapping/>
   </p:clrMapOvr>
+  <p:timing>
+    <p:tnLst>
+      <p:par>
+        <p:cTn id="1" dur="indefinite" restart="never" nodeType="tmRoot"/>
+      </p:par>
+    </p:tnLst>
+  </p:timing>
 </p:sld>
 </file>
 
@@ -17710,6 +17660,13 @@
   <p:clrMapOvr>
     <a:masterClrMapping/>
   </p:clrMapOvr>
+  <p:timing>
+    <p:tnLst>
+      <p:par>
+        <p:cTn id="1" dur="indefinite" restart="never" nodeType="tmRoot"/>
+      </p:par>
+    </p:tnLst>
+  </p:timing>
 </p:sld>
 </file>
 
